--- a/TimDuongDiNganNhat/Báo cáo.pptx
+++ b/TimDuongDiNganNhat/Báo cáo.pptx
@@ -60,14 +60,14 @@
       <p:boldItalic r:id="rId40"/>
     </p:embeddedFont>
     <p:embeddedFont>
-      <p:font typeface="Calibri" pitchFamily="34" charset="0"/>
+      <p:font typeface="Lato" charset="0"/>
       <p:regular r:id="rId41"/>
       <p:bold r:id="rId42"/>
       <p:italic r:id="rId43"/>
       <p:boldItalic r:id="rId44"/>
     </p:embeddedFont>
     <p:embeddedFont>
-      <p:font typeface="Lato" charset="0"/>
+      <p:font typeface="Calibri" pitchFamily="34" charset="0"/>
       <p:regular r:id="rId45"/>
       <p:bold r:id="rId46"/>
       <p:italic r:id="rId47"/>
@@ -17256,14 +17256,14 @@
                 </a:spcAft>
               </a:pPr>
               <a:r>
-                <a:rPr lang="en-US" sz="1100">
+                <a:rPr lang="en-US" sz="1100" dirty="0">
                   <a:effectLst/>
                   <a:latin typeface="Times New Roman"/>
                   <a:ea typeface="Calibri"/>
                 </a:rPr>
                 <a:t>(10)</a:t>
               </a:r>
-              <a:endParaRPr lang="en-US" sz="1200">
+              <a:endParaRPr lang="en-US" sz="1200" dirty="0">
                 <a:effectLst/>
                 <a:latin typeface="Times New Roman"/>
                 <a:ea typeface="Times New Roman"/>
@@ -18109,7 +18109,7 @@
                             </a:spcAft>
                           </a:pPr>
                           <a:r>
-                            <a:rPr lang="en-US" sz="1600">
+                            <a:rPr lang="en-US" sz="1600" dirty="0">
                               <a:effectLst/>
                             </a:rPr>
                             <a:t>[d,</a:t>
@@ -18126,12 +18126,12 @@
                             </m:oMath>
                           </a14:m>
                           <a:r>
-                            <a:rPr lang="en-US" sz="1600">
+                            <a:rPr lang="en-US" sz="1600" dirty="0">
                               <a:effectLst/>
                             </a:rPr>
                             <a:t>]*</a:t>
                           </a:r>
-                          <a:endParaRPr lang="en-US" sz="1600">
+                          <a:endParaRPr lang="en-US" sz="1600" dirty="0">
                             <a:effectLst/>
                             <a:latin typeface="Times New Roman"/>
                             <a:ea typeface="Calibri"/>
@@ -18155,7 +18155,7 @@
                             </a:spcAft>
                           </a:pPr>
                           <a:r>
-                            <a:rPr lang="en-US" sz="1600">
+                            <a:rPr lang="en-US" sz="1600" dirty="0">
                               <a:effectLst/>
                             </a:rPr>
                             <a:t>[d,</a:t>
@@ -18172,12 +18172,12 @@
                             </m:oMath>
                           </a14:m>
                           <a:r>
-                            <a:rPr lang="en-US" sz="1600">
+                            <a:rPr lang="en-US" sz="1600" dirty="0">
                               <a:effectLst/>
                             </a:rPr>
                             <a:t>]</a:t>
                           </a:r>
-                          <a:endParaRPr lang="en-US" sz="1600">
+                          <a:endParaRPr lang="en-US" sz="1600" dirty="0">
                             <a:effectLst/>
                             <a:latin typeface="Times New Roman"/>
                             <a:ea typeface="Calibri"/>
@@ -18201,7 +18201,7 @@
                             </a:spcAft>
                           </a:pPr>
                           <a:r>
-                            <a:rPr lang="en-US" sz="1600">
+                            <a:rPr lang="en-US" sz="1600" dirty="0">
                               <a:effectLst/>
                             </a:rPr>
                             <a:t>[d,</a:t>
@@ -18218,12 +18218,12 @@
                             </m:oMath>
                           </a14:m>
                           <a:r>
-                            <a:rPr lang="en-US" sz="1600">
+                            <a:rPr lang="en-US" sz="1600" dirty="0">
                               <a:effectLst/>
                             </a:rPr>
                             <a:t>]</a:t>
                           </a:r>
-                          <a:endParaRPr lang="en-US" sz="1600">
+                          <a:endParaRPr lang="en-US" sz="1600" dirty="0">
                             <a:effectLst/>
                             <a:latin typeface="Times New Roman"/>
                             <a:ea typeface="Calibri"/>
@@ -18247,12 +18247,12 @@
                             </a:spcAft>
                           </a:pPr>
                           <a:r>
-                            <a:rPr lang="en-US" sz="1600">
+                            <a:rPr lang="en-US" sz="1600" dirty="0">
                               <a:effectLst/>
                             </a:rPr>
                             <a:t>-</a:t>
                           </a:r>
-                          <a:endParaRPr lang="en-US" sz="1600">
+                          <a:endParaRPr lang="en-US" sz="1600" dirty="0">
                             <a:effectLst/>
                             <a:latin typeface="Times New Roman"/>
                             <a:ea typeface="Calibri"/>
@@ -18561,7 +18561,7 @@
                             </a:spcAft>
                           </a:pPr>
                           <a:r>
-                            <a:rPr lang="en-US" sz="1600">
+                            <a:rPr lang="en-US" sz="1600" dirty="0">
                               <a:effectLst/>
                             </a:rPr>
                             <a:t>[s,</a:t>
@@ -18578,12 +18578,12 @@
                             </m:oMath>
                           </a14:m>
                           <a:r>
-                            <a:rPr lang="en-US" sz="1600">
+                            <a:rPr lang="en-US" sz="1600" dirty="0">
                               <a:effectLst/>
                             </a:rPr>
                             <a:t>]</a:t>
                           </a:r>
-                          <a:endParaRPr lang="en-US" sz="1600">
+                          <a:endParaRPr lang="en-US" sz="1600" dirty="0">
                             <a:effectLst/>
                             <a:latin typeface="Times New Roman"/>
                             <a:ea typeface="Calibri"/>
@@ -18607,12 +18607,12 @@
                             </a:spcAft>
                           </a:pPr>
                           <a:r>
-                            <a:rPr lang="en-US" sz="1600">
+                            <a:rPr lang="en-US" sz="1600" dirty="0">
                               <a:effectLst/>
                             </a:rPr>
                             <a:t>a</a:t>
                           </a:r>
-                          <a:endParaRPr lang="en-US" sz="1600">
+                          <a:endParaRPr lang="en-US" sz="1600" dirty="0">
                             <a:effectLst/>
                             <a:latin typeface="Times New Roman"/>
                             <a:ea typeface="Calibri"/>
@@ -18725,12 +18725,12 @@
                             </a:spcAft>
                           </a:pPr>
                           <a:r>
-                            <a:rPr lang="en-US" sz="1600">
+                            <a:rPr lang="en-US" sz="1600" dirty="0">
                               <a:effectLst/>
                             </a:rPr>
                             <a:t>-</a:t>
                           </a:r>
-                          <a:endParaRPr lang="en-US" sz="1600">
+                          <a:endParaRPr lang="en-US" sz="1600" dirty="0">
                             <a:effectLst/>
                             <a:latin typeface="Times New Roman"/>
                             <a:ea typeface="Calibri"/>
@@ -21736,14 +21736,13 @@
                 </a:spcAft>
               </a:pPr>
               <a:r>
-                <a:rPr lang="en-US" sz="1100">
-                  <a:effectLst/>
+                <a:rPr lang="en-US" sz="1100" dirty="0">
                   <a:latin typeface="Times New Roman"/>
-                  <a:ea typeface="Calibri"/>
+                  <a:ea typeface="Times New Roman"/>
                 </a:rPr>
-                <a:t>a</a:t>
+                <a:t>b</a:t>
               </a:r>
-              <a:endParaRPr lang="en-US" sz="1200">
+              <a:endParaRPr lang="en-US" sz="1200" dirty="0">
                 <a:effectLst/>
                 <a:latin typeface="Times New Roman"/>
                 <a:ea typeface="Times New Roman"/>
@@ -21800,14 +21799,13 @@
                 </a:spcAft>
               </a:pPr>
               <a:r>
-                <a:rPr lang="en-US" sz="1100">
-                  <a:effectLst/>
+                <a:rPr lang="en-US" sz="1100" dirty="0">
                   <a:latin typeface="Times New Roman"/>
-                  <a:ea typeface="Calibri"/>
+                  <a:ea typeface="Times New Roman"/>
                 </a:rPr>
-                <a:t>b</a:t>
+                <a:t>c</a:t>
               </a:r>
-              <a:endParaRPr lang="en-US" sz="1200">
+              <a:endParaRPr lang="en-US" sz="1200" dirty="0">
                 <a:effectLst/>
                 <a:latin typeface="Times New Roman"/>
                 <a:ea typeface="Times New Roman"/>
@@ -21865,11 +21863,10 @@
               </a:pPr>
               <a:r>
                 <a:rPr lang="en-US" sz="1100">
-                  <a:effectLst/>
                   <a:latin typeface="Times New Roman"/>
-                  <a:ea typeface="Calibri"/>
+                  <a:ea typeface="Times New Roman"/>
                 </a:rPr>
-                <a:t>c</a:t>
+                <a:t>d</a:t>
               </a:r>
               <a:endParaRPr lang="en-US" sz="1200">
                 <a:effectLst/>
@@ -21928,14 +21925,13 @@
                 </a:spcAft>
               </a:pPr>
               <a:r>
-                <a:rPr lang="en-US" sz="1100">
-                  <a:effectLst/>
+                <a:rPr lang="en-US" sz="1100" dirty="0">
                   <a:latin typeface="Times New Roman"/>
-                  <a:ea typeface="Calibri"/>
+                  <a:ea typeface="Times New Roman"/>
                 </a:rPr>
-                <a:t>d</a:t>
+                <a:t>a</a:t>
               </a:r>
-              <a:endParaRPr lang="en-US" sz="1200">
+              <a:endParaRPr lang="en-US" sz="1200" dirty="0">
                 <a:effectLst/>
                 <a:latin typeface="Times New Roman"/>
                 <a:ea typeface="Times New Roman"/>
@@ -31321,6 +31317,13 @@
   <p:clrMapOvr>
     <a:masterClrMapping/>
   </p:clrMapOvr>
+  <p:timing>
+    <p:tnLst>
+      <p:par>
+        <p:cTn id="1" dur="indefinite" restart="never" nodeType="tmRoot"/>
+      </p:par>
+    </p:tnLst>
+  </p:timing>
 </p:sld>
 </file>
 
